--- a/alp/Update Presentations/Argonne - Week Three Research Updates.pptx
+++ b/alp/Update Presentations/Argonne - Week Three Research Updates.pptx
@@ -5509,7 +5509,7 @@
             <a:endParaRPr/>
           </a:p>
           <a:p>
-            <a:pPr indent="-317500" lvl="1" marL="914400" rtl="0" algn="l">
+            <a:pPr indent="-317500" lvl="1" marL="800100" rtl="0" algn="l">
               <a:spcBef>
                 <a:spcPts val="0"/>
               </a:spcBef>
@@ -5521,7 +5521,7 @@
             </a:pPr>
             <a:r>
               <a:rPr lang="en"/>
-              <a:t>Couple Observations: (1) LidNest indices are weird and (2) Plate Crane can’t pick up Solo 3 stack</a:t>
+              <a:t>Couple Observations: (1) LidNest indices are weird and (2) Plate Crane can’t pick up Solo 3 tip box</a:t>
             </a:r>
             <a:endParaRPr/>
           </a:p>
@@ -5569,8 +5569,8 @@
         </p:nvSpPr>
         <p:spPr>
           <a:xfrm>
-            <a:off x="170800" y="4220100"/>
-            <a:ext cx="7172700" cy="923400"/>
+            <a:off x="170825" y="3901925"/>
+            <a:ext cx="7172700" cy="1354500"/>
           </a:xfrm>
           <a:prstGeom prst="rect">
             <a:avLst/>
@@ -5665,7 +5665,59 @@
                   <a:schemeClr val="dk1"/>
                 </a:solidFill>
               </a:rPr>
-              <a:t> Develop Globus Data Reading Structure and Machine Learning</a:t>
+              <a:t> Develop </a:t>
+            </a:r>
+            <a:r>
+              <a:rPr b="1" lang="en">
+                <a:solidFill>
+                  <a:schemeClr val="dk1"/>
+                </a:solidFill>
+              </a:rPr>
+              <a:t>Globus Data Reading Structure</a:t>
+            </a:r>
+            <a:r>
+              <a:rPr lang="en">
+                <a:solidFill>
+                  <a:schemeClr val="dk1"/>
+                </a:solidFill>
+              </a:rPr>
+              <a:t> and Machine Learning</a:t>
+            </a:r>
+            <a:endParaRPr>
+              <a:solidFill>
+                <a:schemeClr val="dk1"/>
+              </a:solidFill>
+            </a:endParaRPr>
+          </a:p>
+          <a:p>
+            <a:pPr indent="-317500" lvl="0" marL="457200" rtl="0" algn="l">
+              <a:spcBef>
+                <a:spcPts val="0"/>
+              </a:spcBef>
+              <a:spcAft>
+                <a:spcPts val="0"/>
+              </a:spcAft>
+              <a:buClr>
+                <a:schemeClr val="dk1"/>
+              </a:buClr>
+              <a:buSzPts val="1400"/>
+              <a:buChar char="-"/>
+            </a:pPr>
+            <a:r>
+              <a:rPr lang="en">
+                <a:solidFill>
+                  <a:schemeClr val="dk1"/>
+                </a:solidFill>
+              </a:rPr>
+              <a:t>Implement learning algorithm to close the loop: </a:t>
+            </a:r>
+            <a:r>
+              <a:rPr lang="en">
+                <a:solidFill>
+                  <a:schemeClr val="dk1"/>
+                </a:solidFill>
+              </a:rPr>
+              <a:t>How would we be collaborating with Dr. Arvind’s group for this? </a:t>
             </a:r>
             <a:endParaRPr>
               <a:solidFill>
@@ -5684,7 +5736,7 @@
         <p:spPr>
           <a:xfrm>
             <a:off x="74575" y="1112298"/>
-            <a:ext cx="8639700" cy="3294000"/>
+            <a:ext cx="8639700" cy="2862900"/>
           </a:xfrm>
           <a:prstGeom prst="rect">
             <a:avLst/>
@@ -5804,34 +5856,6 @@
                 </a:solidFill>
               </a:rPr>
               <a:t>corresponding to optimal cell growth, or lack thereof, and save these combinations into their respective arrays</a:t>
-            </a:r>
-            <a:endParaRPr>
-              <a:solidFill>
-                <a:schemeClr val="dk1"/>
-              </a:solidFill>
-            </a:endParaRPr>
-          </a:p>
-          <a:p>
-            <a:pPr indent="-317500" lvl="1" marL="914400" rtl="0" algn="l">
-              <a:spcBef>
-                <a:spcPts val="0"/>
-              </a:spcBef>
-              <a:spcAft>
-                <a:spcPts val="0"/>
-              </a:spcAft>
-              <a:buClr>
-                <a:schemeClr val="dk1"/>
-              </a:buClr>
-              <a:buSzPts val="1400"/>
-              <a:buAutoNum type="alphaLcParenR"/>
-            </a:pPr>
-            <a:r>
-              <a:rPr lang="en">
-                <a:solidFill>
-                  <a:schemeClr val="dk1"/>
-                </a:solidFill>
-              </a:rPr>
-              <a:t>How would we be collaborating with Dr. Arvind’s group for this? Is there an already developed model that could be imported into the workflow?</a:t>
             </a:r>
             <a:endParaRPr>
               <a:solidFill>
